--- a/presentation/Progress_Report_2017_11_6.pptx
+++ b/presentation/Progress_Report_2017_11_6.pptx
@@ -6,6 +6,19 @@
   </p:sldMasterIdLst>
   <p:sldIdLst>
     <p:sldId id="256" r:id="rId2"/>
+    <p:sldId id="257" r:id="rId3"/>
+    <p:sldId id="258" r:id="rId4"/>
+    <p:sldId id="259" r:id="rId5"/>
+    <p:sldId id="260" r:id="rId6"/>
+    <p:sldId id="261" r:id="rId7"/>
+    <p:sldId id="262" r:id="rId8"/>
+    <p:sldId id="263" r:id="rId9"/>
+    <p:sldId id="266" r:id="rId10"/>
+    <p:sldId id="264" r:id="rId11"/>
+    <p:sldId id="268" r:id="rId12"/>
+    <p:sldId id="269" r:id="rId13"/>
+    <p:sldId id="265" r:id="rId14"/>
+    <p:sldId id="267" r:id="rId15"/>
   </p:sldIdLst>
   <p:sldSz cx="12192000" cy="6858000"/>
   <p:notesSz cx="6858000" cy="9144000"/>
@@ -104,6 +117,11 @@
       </a:defRPr>
     </a:lvl9pPr>
   </p:defaultTextStyle>
+  <p:extLst>
+    <p:ext uri="{EFAFB233-063F-42B5-8137-9DF3F51BA10A}">
+      <p15:sldGuideLst xmlns:p15="http://schemas.microsoft.com/office/powerpoint/2012/main"/>
+    </p:ext>
+  </p:extLst>
 </p:presentation>
 </file>
 
@@ -246,7 +264,7 @@
           <a:p>
             <a:fld id="{48A87A34-81AB-432B-8DAE-1953F412C126}" type="datetimeFigureOut">
               <a:rPr lang="en-US" dirty="0"/>
-              <a:t>11/5/17</a:t>
+              <a:t>11/6/17</a:t>
             </a:fld>
             <a:endParaRPr lang="en-US" dirty="0"/>
           </a:p>
@@ -452,7 +470,7 @@
           <a:p>
             <a:fld id="{48A87A34-81AB-432B-8DAE-1953F412C126}" type="datetimeFigureOut">
               <a:rPr lang="en-US" dirty="0"/>
-              <a:t>11/5/17</a:t>
+              <a:t>11/6/17</a:t>
             </a:fld>
             <a:endParaRPr lang="en-US" dirty="0"/>
           </a:p>
@@ -662,7 +680,7 @@
           <a:p>
             <a:fld id="{48A87A34-81AB-432B-8DAE-1953F412C126}" type="datetimeFigureOut">
               <a:rPr lang="en-US" dirty="0"/>
-              <a:t>11/5/17</a:t>
+              <a:t>11/6/17</a:t>
             </a:fld>
             <a:endParaRPr lang="en-US" dirty="0"/>
           </a:p>
@@ -858,7 +876,7 @@
           <a:p>
             <a:fld id="{48A87A34-81AB-432B-8DAE-1953F412C126}" type="datetimeFigureOut">
               <a:rPr lang="en-US" dirty="0"/>
-              <a:t>11/5/17</a:t>
+              <a:t>11/6/17</a:t>
             </a:fld>
             <a:endParaRPr lang="en-US" dirty="0"/>
           </a:p>
@@ -1132,7 +1150,7 @@
           <a:p>
             <a:fld id="{48A87A34-81AB-432B-8DAE-1953F412C126}" type="datetimeFigureOut">
               <a:rPr lang="en-US" dirty="0"/>
-              <a:t>11/5/17</a:t>
+              <a:t>11/6/17</a:t>
             </a:fld>
             <a:endParaRPr lang="en-US" dirty="0"/>
           </a:p>
@@ -1395,7 +1413,7 @@
           <a:p>
             <a:fld id="{48A87A34-81AB-432B-8DAE-1953F412C126}" type="datetimeFigureOut">
               <a:rPr lang="en-US" dirty="0"/>
-              <a:t>11/5/17</a:t>
+              <a:t>11/6/17</a:t>
             </a:fld>
             <a:endParaRPr lang="en-US" dirty="0"/>
           </a:p>
@@ -1806,7 +1824,7 @@
           <a:p>
             <a:fld id="{48A87A34-81AB-432B-8DAE-1953F412C126}" type="datetimeFigureOut">
               <a:rPr lang="en-US" dirty="0"/>
-              <a:t>11/5/17</a:t>
+              <a:t>11/6/17</a:t>
             </a:fld>
             <a:endParaRPr lang="en-US" dirty="0"/>
           </a:p>
@@ -1950,7 +1968,7 @@
           <a:p>
             <a:fld id="{48A87A34-81AB-432B-8DAE-1953F412C126}" type="datetimeFigureOut">
               <a:rPr lang="en-US" dirty="0"/>
-              <a:t>11/5/17</a:t>
+              <a:t>11/6/17</a:t>
             </a:fld>
             <a:endParaRPr lang="en-US" dirty="0"/>
           </a:p>
@@ -2071,7 +2089,7 @@
           <a:p>
             <a:fld id="{48A87A34-81AB-432B-8DAE-1953F412C126}" type="datetimeFigureOut">
               <a:rPr lang="en-US" dirty="0"/>
-              <a:t>11/5/17</a:t>
+              <a:t>11/6/17</a:t>
             </a:fld>
             <a:endParaRPr lang="en-US" dirty="0"/>
           </a:p>
@@ -2317,7 +2335,7 @@
           <a:p>
             <a:fld id="{48A87A34-81AB-432B-8DAE-1953F412C126}" type="datetimeFigureOut">
               <a:rPr lang="en-US" dirty="0"/>
-              <a:t>11/5/17</a:t>
+              <a:t>11/6/17</a:t>
             </a:fld>
             <a:endParaRPr lang="en-US" dirty="0"/>
           </a:p>
@@ -2758,7 +2776,7 @@
             <a:fld id="{48A87A34-81AB-432B-8DAE-1953F412C126}" type="datetimeFigureOut">
               <a:rPr lang="en-US" dirty="0"/>
               <a:pPr/>
-              <a:t>11/5/17</a:t>
+              <a:t>11/6/17</a:t>
             </a:fld>
             <a:endParaRPr lang="en-US" dirty="0"/>
           </a:p>
@@ -3080,7 +3098,7 @@
             <a:fld id="{48A87A34-81AB-432B-8DAE-1953F412C126}" type="datetimeFigureOut">
               <a:rPr lang="en-US" dirty="0"/>
               <a:pPr/>
-              <a:t>11/5/17</a:t>
+              <a:t>11/6/17</a:t>
             </a:fld>
             <a:endParaRPr lang="en-US" dirty="0"/>
           </a:p>
@@ -3575,7 +3593,7 @@
         <p:spPr>
           <a:xfrm>
             <a:off x="1091455" y="659794"/>
-            <a:ext cx="9963397" cy="2541431"/>
+            <a:ext cx="10352833" cy="2541431"/>
           </a:xfrm>
         </p:spPr>
         <p:txBody>
@@ -3586,15 +3604,15 @@
           <a:p>
             <a:r>
               <a:rPr lang="en-US" sz="4400" dirty="0" smtClean="0"/>
-              <a:t>Time series modeling </a:t>
+              <a:t>Time </a:t>
             </a:r>
             <a:r>
               <a:rPr lang="en-US" sz="4400" smtClean="0"/>
-              <a:t>approach to Intubation </a:t>
+              <a:t>series modelling </a:t>
             </a:r>
             <a:r>
               <a:rPr lang="en-US" sz="4400" dirty="0" smtClean="0"/>
-              <a:t>Forecasting in </a:t>
+              <a:t>approach to intervention Forecasting in </a:t>
             </a:r>
             <a:r>
               <a:rPr lang="en-US" sz="4400" dirty="0" err="1" smtClean="0"/>
@@ -3648,6 +3666,1509 @@
   <p:clrMapOvr>
     <a:masterClrMapping/>
   </p:clrMapOvr>
+</p:sld>
+</file>
+
+<file path=ppt/slides/slide10.xml><?xml version="1.0" encoding="utf-8"?>
+<p:sld xmlns:a="http://schemas.openxmlformats.org/drawingml/2006/main" xmlns:r="http://schemas.openxmlformats.org/officeDocument/2006/relationships" xmlns:p="http://schemas.openxmlformats.org/presentationml/2006/main">
+  <p:cSld>
+    <p:spTree>
+      <p:nvGrpSpPr>
+        <p:cNvPr id="1" name=""/>
+        <p:cNvGrpSpPr/>
+        <p:nvPr/>
+      </p:nvGrpSpPr>
+      <p:grpSpPr>
+        <a:xfrm>
+          <a:off x="0" y="0"/>
+          <a:ext cx="0" cy="0"/>
+          <a:chOff x="0" y="0"/>
+          <a:chExt cx="0" cy="0"/>
+        </a:xfrm>
+      </p:grpSpPr>
+      <p:sp>
+        <p:nvSpPr>
+          <p:cNvPr id="2" name="Title 1"/>
+          <p:cNvSpPr>
+            <a:spLocks noGrp="1"/>
+          </p:cNvSpPr>
+          <p:nvPr>
+            <p:ph type="title"/>
+          </p:nvPr>
+        </p:nvSpPr>
+        <p:spPr/>
+        <p:txBody>
+          <a:bodyPr/>
+          <a:lstStyle/>
+          <a:p>
+            <a:r>
+              <a:rPr lang="en-US" dirty="0" smtClean="0"/>
+              <a:t>Data visualization</a:t>
+            </a:r>
+            <a:endParaRPr lang="en-US" dirty="0"/>
+          </a:p>
+        </p:txBody>
+      </p:sp>
+      <p:sp>
+        <p:nvSpPr>
+          <p:cNvPr id="3" name="Content Placeholder 2"/>
+          <p:cNvSpPr>
+            <a:spLocks noGrp="1"/>
+          </p:cNvSpPr>
+          <p:nvPr>
+            <p:ph idx="1"/>
+          </p:nvPr>
+        </p:nvSpPr>
+        <p:spPr/>
+        <p:txBody>
+          <a:bodyPr/>
+          <a:lstStyle/>
+          <a:p>
+            <a:r>
+              <a:rPr lang="en-US" dirty="0" smtClean="0"/>
+              <a:t>I built a tool using python to plot the time series data of a certain patient:</a:t>
+            </a:r>
+            <a:endParaRPr lang="en-US" dirty="0"/>
+          </a:p>
+        </p:txBody>
+      </p:sp>
+      <p:pic>
+        <p:nvPicPr>
+          <p:cNvPr id="4" name="Picture 3"/>
+          <p:cNvPicPr>
+            <a:picLocks noChangeAspect="1"/>
+          </p:cNvPicPr>
+          <p:nvPr/>
+        </p:nvPicPr>
+        <p:blipFill>
+          <a:blip r:embed="rId2">
+            <a:extLst>
+              <a:ext uri="{28A0092B-C50C-407E-A947-70E740481C1C}">
+                <a14:useLocalDpi xmlns:a14="http://schemas.microsoft.com/office/drawing/2010/main" val="0"/>
+              </a:ext>
+            </a:extLst>
+          </a:blip>
+          <a:stretch>
+            <a:fillRect/>
+          </a:stretch>
+        </p:blipFill>
+        <p:spPr>
+          <a:xfrm>
+            <a:off x="1606550" y="2479453"/>
+            <a:ext cx="5922963" cy="3492070"/>
+          </a:xfrm>
+          <a:prstGeom prst="rect">
+            <a:avLst/>
+          </a:prstGeom>
+        </p:spPr>
+      </p:pic>
+    </p:spTree>
+    <p:extLst>
+      <p:ext uri="{BB962C8B-B14F-4D97-AF65-F5344CB8AC3E}">
+        <p14:creationId xmlns:p14="http://schemas.microsoft.com/office/powerpoint/2010/main" val="2138793889"/>
+      </p:ext>
+    </p:extLst>
+  </p:cSld>
+  <p:clrMapOvr>
+    <a:masterClrMapping/>
+  </p:clrMapOvr>
+  <p:timing>
+    <p:tnLst>
+      <p:par>
+        <p:cTn id="1" dur="indefinite" restart="never" nodeType="tmRoot"/>
+      </p:par>
+    </p:tnLst>
+  </p:timing>
+</p:sld>
+</file>
+
+<file path=ppt/slides/slide11.xml><?xml version="1.0" encoding="utf-8"?>
+<p:sld xmlns:a="http://schemas.openxmlformats.org/drawingml/2006/main" xmlns:r="http://schemas.openxmlformats.org/officeDocument/2006/relationships" xmlns:p="http://schemas.openxmlformats.org/presentationml/2006/main">
+  <p:cSld>
+    <p:spTree>
+      <p:nvGrpSpPr>
+        <p:cNvPr id="1" name=""/>
+        <p:cNvGrpSpPr/>
+        <p:nvPr/>
+      </p:nvGrpSpPr>
+      <p:grpSpPr>
+        <a:xfrm>
+          <a:off x="0" y="0"/>
+          <a:ext cx="0" cy="0"/>
+          <a:chOff x="0" y="0"/>
+          <a:chExt cx="0" cy="0"/>
+        </a:xfrm>
+      </p:grpSpPr>
+      <p:sp>
+        <p:nvSpPr>
+          <p:cNvPr id="2" name="Title 1"/>
+          <p:cNvSpPr>
+            <a:spLocks noGrp="1"/>
+          </p:cNvSpPr>
+          <p:nvPr>
+            <p:ph type="title"/>
+          </p:nvPr>
+        </p:nvSpPr>
+        <p:spPr/>
+        <p:txBody>
+          <a:bodyPr/>
+          <a:lstStyle/>
+          <a:p>
+            <a:r>
+              <a:rPr lang="en-US" dirty="0" smtClean="0"/>
+              <a:t>Data modelling</a:t>
+            </a:r>
+            <a:endParaRPr lang="en-US" dirty="0"/>
+          </a:p>
+        </p:txBody>
+      </p:sp>
+      <p:sp>
+        <p:nvSpPr>
+          <p:cNvPr id="3" name="Content Placeholder 2"/>
+          <p:cNvSpPr>
+            <a:spLocks noGrp="1"/>
+          </p:cNvSpPr>
+          <p:nvPr>
+            <p:ph idx="1"/>
+          </p:nvPr>
+        </p:nvSpPr>
+        <p:spPr/>
+        <p:txBody>
+          <a:bodyPr/>
+          <a:lstStyle/>
+          <a:p>
+            <a:r>
+              <a:rPr lang="en-US" dirty="0" smtClean="0"/>
+              <a:t>Deep Neural Network:</a:t>
+            </a:r>
+            <a:endParaRPr lang="en-US" dirty="0"/>
+          </a:p>
+        </p:txBody>
+      </p:sp>
+      <p:pic>
+        <p:nvPicPr>
+          <p:cNvPr id="4" name="Picture 3"/>
+          <p:cNvPicPr>
+            <a:picLocks noChangeAspect="1"/>
+          </p:cNvPicPr>
+          <p:nvPr/>
+        </p:nvPicPr>
+        <p:blipFill>
+          <a:blip r:embed="rId2"/>
+          <a:stretch>
+            <a:fillRect/>
+          </a:stretch>
+        </p:blipFill>
+        <p:spPr>
+          <a:xfrm>
+            <a:off x="547687" y="2414328"/>
+            <a:ext cx="7210426" cy="3621676"/>
+          </a:xfrm>
+          <a:prstGeom prst="rect">
+            <a:avLst/>
+          </a:prstGeom>
+        </p:spPr>
+      </p:pic>
+    </p:spTree>
+    <p:extLst>
+      <p:ext uri="{BB962C8B-B14F-4D97-AF65-F5344CB8AC3E}">
+        <p14:creationId xmlns:p14="http://schemas.microsoft.com/office/powerpoint/2010/main" val="941141903"/>
+      </p:ext>
+    </p:extLst>
+  </p:cSld>
+  <p:clrMapOvr>
+    <a:masterClrMapping/>
+  </p:clrMapOvr>
+</p:sld>
+</file>
+
+<file path=ppt/slides/slide12.xml><?xml version="1.0" encoding="utf-8"?>
+<p:sld xmlns:a="http://schemas.openxmlformats.org/drawingml/2006/main" xmlns:r="http://schemas.openxmlformats.org/officeDocument/2006/relationships" xmlns:p="http://schemas.openxmlformats.org/presentationml/2006/main">
+  <p:cSld>
+    <p:spTree>
+      <p:nvGrpSpPr>
+        <p:cNvPr id="1" name=""/>
+        <p:cNvGrpSpPr/>
+        <p:nvPr/>
+      </p:nvGrpSpPr>
+      <p:grpSpPr>
+        <a:xfrm>
+          <a:off x="0" y="0"/>
+          <a:ext cx="0" cy="0"/>
+          <a:chOff x="0" y="0"/>
+          <a:chExt cx="0" cy="0"/>
+        </a:xfrm>
+      </p:grpSpPr>
+      <p:sp>
+        <p:nvSpPr>
+          <p:cNvPr id="2" name="Title 1"/>
+          <p:cNvSpPr>
+            <a:spLocks noGrp="1"/>
+          </p:cNvSpPr>
+          <p:nvPr>
+            <p:ph type="title"/>
+          </p:nvPr>
+        </p:nvSpPr>
+        <p:spPr/>
+        <p:txBody>
+          <a:bodyPr/>
+          <a:lstStyle/>
+          <a:p>
+            <a:r>
+              <a:rPr lang="en-US" dirty="0"/>
+              <a:t>Data modelling</a:t>
+            </a:r>
+          </a:p>
+        </p:txBody>
+      </p:sp>
+      <p:sp>
+        <p:nvSpPr>
+          <p:cNvPr id="3" name="Content Placeholder 2"/>
+          <p:cNvSpPr>
+            <a:spLocks noGrp="1"/>
+          </p:cNvSpPr>
+          <p:nvPr>
+            <p:ph idx="1"/>
+          </p:nvPr>
+        </p:nvSpPr>
+        <p:spPr/>
+        <p:txBody>
+          <a:bodyPr/>
+          <a:lstStyle/>
+          <a:p>
+            <a:r>
+              <a:rPr lang="en-US" dirty="0"/>
+              <a:t>Deep Neural Network</a:t>
+            </a:r>
+            <a:r>
+              <a:rPr lang="en-US" dirty="0" smtClean="0"/>
+              <a:t>: Hard to increase </a:t>
+            </a:r>
+            <a:r>
+              <a:rPr lang="en-US" smtClean="0"/>
+              <a:t>the accuracy beyond 0.6</a:t>
+            </a:r>
+            <a:endParaRPr lang="en-US"/>
+          </a:p>
+          <a:p>
+            <a:endParaRPr lang="en-US" dirty="0"/>
+          </a:p>
+        </p:txBody>
+      </p:sp>
+    </p:spTree>
+    <p:extLst>
+      <p:ext uri="{BB962C8B-B14F-4D97-AF65-F5344CB8AC3E}">
+        <p14:creationId xmlns:p14="http://schemas.microsoft.com/office/powerpoint/2010/main" val="1723530981"/>
+      </p:ext>
+    </p:extLst>
+  </p:cSld>
+  <p:clrMapOvr>
+    <a:masterClrMapping/>
+  </p:clrMapOvr>
+</p:sld>
+</file>
+
+<file path=ppt/slides/slide13.xml><?xml version="1.0" encoding="utf-8"?>
+<p:sld xmlns:a="http://schemas.openxmlformats.org/drawingml/2006/main" xmlns:r="http://schemas.openxmlformats.org/officeDocument/2006/relationships" xmlns:p="http://schemas.openxmlformats.org/presentationml/2006/main">
+  <p:cSld>
+    <p:spTree>
+      <p:nvGrpSpPr>
+        <p:cNvPr id="1" name=""/>
+        <p:cNvGrpSpPr/>
+        <p:nvPr/>
+      </p:nvGrpSpPr>
+      <p:grpSpPr>
+        <a:xfrm>
+          <a:off x="0" y="0"/>
+          <a:ext cx="0" cy="0"/>
+          <a:chOff x="0" y="0"/>
+          <a:chExt cx="0" cy="0"/>
+        </a:xfrm>
+      </p:grpSpPr>
+      <p:sp>
+        <p:nvSpPr>
+          <p:cNvPr id="2" name="Title 1"/>
+          <p:cNvSpPr>
+            <a:spLocks noGrp="1"/>
+          </p:cNvSpPr>
+          <p:nvPr>
+            <p:ph type="title"/>
+          </p:nvPr>
+        </p:nvSpPr>
+        <p:spPr/>
+        <p:txBody>
+          <a:bodyPr/>
+          <a:lstStyle/>
+          <a:p>
+            <a:r>
+              <a:rPr lang="en-US" dirty="0" smtClean="0"/>
+              <a:t>Next step: data modeling</a:t>
+            </a:r>
+            <a:endParaRPr lang="en-US" dirty="0"/>
+          </a:p>
+        </p:txBody>
+      </p:sp>
+      <p:sp>
+        <p:nvSpPr>
+          <p:cNvPr id="3" name="Content Placeholder 2"/>
+          <p:cNvSpPr>
+            <a:spLocks noGrp="1"/>
+          </p:cNvSpPr>
+          <p:nvPr>
+            <p:ph idx="1"/>
+          </p:nvPr>
+        </p:nvSpPr>
+        <p:spPr/>
+        <p:txBody>
+          <a:bodyPr/>
+          <a:lstStyle/>
+          <a:p>
+            <a:r>
+              <a:rPr lang="en-US" dirty="0"/>
+              <a:t>Recurrent Neural Networks (</a:t>
+            </a:r>
+            <a:r>
+              <a:rPr lang="en-US" dirty="0" smtClean="0"/>
+              <a:t>RNN):</a:t>
+            </a:r>
+            <a:endParaRPr lang="en-US" dirty="0"/>
+          </a:p>
+        </p:txBody>
+      </p:sp>
+      <p:pic>
+        <p:nvPicPr>
+          <p:cNvPr id="4" name="Picture 3"/>
+          <p:cNvPicPr>
+            <a:picLocks noChangeAspect="1"/>
+          </p:cNvPicPr>
+          <p:nvPr/>
+        </p:nvPicPr>
+        <p:blipFill>
+          <a:blip r:embed="rId2">
+            <a:extLst>
+              <a:ext uri="{28A0092B-C50C-407E-A947-70E740481C1C}">
+                <a14:useLocalDpi xmlns:a14="http://schemas.microsoft.com/office/drawing/2010/main" val="0"/>
+              </a:ext>
+            </a:extLst>
+          </a:blip>
+          <a:stretch>
+            <a:fillRect/>
+          </a:stretch>
+        </p:blipFill>
+        <p:spPr>
+          <a:xfrm>
+            <a:off x="35526" y="2598538"/>
+            <a:ext cx="5357813" cy="4259462"/>
+          </a:xfrm>
+          <a:prstGeom prst="rect">
+            <a:avLst/>
+          </a:prstGeom>
+        </p:spPr>
+      </p:pic>
+      <p:pic>
+        <p:nvPicPr>
+          <p:cNvPr id="5" name="Picture 4"/>
+          <p:cNvPicPr>
+            <a:picLocks noChangeAspect="1"/>
+          </p:cNvPicPr>
+          <p:nvPr/>
+        </p:nvPicPr>
+        <p:blipFill>
+          <a:blip r:embed="rId3">
+            <a:extLst>
+              <a:ext uri="{28A0092B-C50C-407E-A947-70E740481C1C}">
+                <a14:useLocalDpi xmlns:a14="http://schemas.microsoft.com/office/drawing/2010/main" val="0"/>
+              </a:ext>
+            </a:extLst>
+          </a:blip>
+          <a:stretch>
+            <a:fillRect/>
+          </a:stretch>
+        </p:blipFill>
+        <p:spPr>
+          <a:xfrm>
+            <a:off x="5393338" y="3357562"/>
+            <a:ext cx="6798661" cy="3499200"/>
+          </a:xfrm>
+          <a:prstGeom prst="rect">
+            <a:avLst/>
+          </a:prstGeom>
+        </p:spPr>
+      </p:pic>
+    </p:spTree>
+    <p:extLst>
+      <p:ext uri="{BB962C8B-B14F-4D97-AF65-F5344CB8AC3E}">
+        <p14:creationId xmlns:p14="http://schemas.microsoft.com/office/powerpoint/2010/main" val="466678428"/>
+      </p:ext>
+    </p:extLst>
+  </p:cSld>
+  <p:clrMapOvr>
+    <a:masterClrMapping/>
+  </p:clrMapOvr>
+  <p:timing>
+    <p:tnLst>
+      <p:par>
+        <p:cTn id="1" dur="indefinite" restart="never" nodeType="tmRoot"/>
+      </p:par>
+    </p:tnLst>
+  </p:timing>
+</p:sld>
+</file>
+
+<file path=ppt/slides/slide14.xml><?xml version="1.0" encoding="utf-8"?>
+<p:sld xmlns:a="http://schemas.openxmlformats.org/drawingml/2006/main" xmlns:r="http://schemas.openxmlformats.org/officeDocument/2006/relationships" xmlns:p="http://schemas.openxmlformats.org/presentationml/2006/main">
+  <p:cSld>
+    <p:spTree>
+      <p:nvGrpSpPr>
+        <p:cNvPr id="1" name=""/>
+        <p:cNvGrpSpPr/>
+        <p:nvPr/>
+      </p:nvGrpSpPr>
+      <p:grpSpPr>
+        <a:xfrm>
+          <a:off x="0" y="0"/>
+          <a:ext cx="0" cy="0"/>
+          <a:chOff x="0" y="0"/>
+          <a:chExt cx="0" cy="0"/>
+        </a:xfrm>
+      </p:grpSpPr>
+      <p:sp>
+        <p:nvSpPr>
+          <p:cNvPr id="2" name="Title 1"/>
+          <p:cNvSpPr>
+            <a:spLocks noGrp="1"/>
+          </p:cNvSpPr>
+          <p:nvPr>
+            <p:ph type="title"/>
+          </p:nvPr>
+        </p:nvSpPr>
+        <p:spPr/>
+        <p:txBody>
+          <a:bodyPr/>
+          <a:lstStyle/>
+          <a:p>
+            <a:r>
+              <a:rPr lang="en-US" dirty="0"/>
+              <a:t>Next step: data modeling</a:t>
+            </a:r>
+          </a:p>
+        </p:txBody>
+      </p:sp>
+      <p:sp>
+        <p:nvSpPr>
+          <p:cNvPr id="3" name="Content Placeholder 2"/>
+          <p:cNvSpPr>
+            <a:spLocks noGrp="1"/>
+          </p:cNvSpPr>
+          <p:nvPr>
+            <p:ph idx="1"/>
+          </p:nvPr>
+        </p:nvSpPr>
+        <p:spPr/>
+        <p:txBody>
+          <a:bodyPr/>
+          <a:lstStyle/>
+          <a:p>
+            <a:r>
+              <a:rPr lang="en-US" dirty="0"/>
+              <a:t>Stochastic Recurrent Neural </a:t>
+            </a:r>
+            <a:r>
+              <a:rPr lang="en-US" dirty="0" smtClean="0"/>
+              <a:t>Networks:</a:t>
+            </a:r>
+            <a:endParaRPr lang="en-US" dirty="0"/>
+          </a:p>
+        </p:txBody>
+      </p:sp>
+      <p:pic>
+        <p:nvPicPr>
+          <p:cNvPr id="5" name="Picture 4"/>
+          <p:cNvPicPr>
+            <a:picLocks noChangeAspect="1"/>
+          </p:cNvPicPr>
+          <p:nvPr/>
+        </p:nvPicPr>
+        <p:blipFill>
+          <a:blip r:embed="rId2">
+            <a:extLst>
+              <a:ext uri="{28A0092B-C50C-407E-A947-70E740481C1C}">
+                <a14:useLocalDpi xmlns:a14="http://schemas.microsoft.com/office/drawing/2010/main" val="0"/>
+              </a:ext>
+            </a:extLst>
+          </a:blip>
+          <a:stretch>
+            <a:fillRect/>
+          </a:stretch>
+        </p:blipFill>
+        <p:spPr>
+          <a:xfrm>
+            <a:off x="1787525" y="2532645"/>
+            <a:ext cx="4829144" cy="3564000"/>
+          </a:xfrm>
+          <a:prstGeom prst="rect">
+            <a:avLst/>
+          </a:prstGeom>
+        </p:spPr>
+      </p:pic>
+    </p:spTree>
+    <p:extLst>
+      <p:ext uri="{BB962C8B-B14F-4D97-AF65-F5344CB8AC3E}">
+        <p14:creationId xmlns:p14="http://schemas.microsoft.com/office/powerpoint/2010/main" val="23648888"/>
+      </p:ext>
+    </p:extLst>
+  </p:cSld>
+  <p:clrMapOvr>
+    <a:masterClrMapping/>
+  </p:clrMapOvr>
+  <p:timing>
+    <p:tnLst>
+      <p:par>
+        <p:cTn id="1" dur="indefinite" restart="never" nodeType="tmRoot"/>
+      </p:par>
+    </p:tnLst>
+  </p:timing>
+</p:sld>
+</file>
+
+<file path=ppt/slides/slide2.xml><?xml version="1.0" encoding="utf-8"?>
+<p:sld xmlns:a="http://schemas.openxmlformats.org/drawingml/2006/main" xmlns:r="http://schemas.openxmlformats.org/officeDocument/2006/relationships" xmlns:p="http://schemas.openxmlformats.org/presentationml/2006/main">
+  <p:cSld>
+    <p:spTree>
+      <p:nvGrpSpPr>
+        <p:cNvPr id="1" name=""/>
+        <p:cNvGrpSpPr/>
+        <p:nvPr/>
+      </p:nvGrpSpPr>
+      <p:grpSpPr>
+        <a:xfrm>
+          <a:off x="0" y="0"/>
+          <a:ext cx="0" cy="0"/>
+          <a:chOff x="0" y="0"/>
+          <a:chExt cx="0" cy="0"/>
+        </a:xfrm>
+      </p:grpSpPr>
+      <p:sp>
+        <p:nvSpPr>
+          <p:cNvPr id="2" name="Title 1"/>
+          <p:cNvSpPr>
+            <a:spLocks noGrp="1"/>
+          </p:cNvSpPr>
+          <p:nvPr>
+            <p:ph type="title"/>
+          </p:nvPr>
+        </p:nvSpPr>
+        <p:spPr/>
+        <p:txBody>
+          <a:bodyPr/>
+          <a:lstStyle/>
+          <a:p>
+            <a:r>
+              <a:rPr lang="en-US" dirty="0" smtClean="0"/>
+              <a:t>background</a:t>
+            </a:r>
+            <a:endParaRPr lang="en-US" dirty="0"/>
+          </a:p>
+        </p:txBody>
+      </p:sp>
+      <p:sp>
+        <p:nvSpPr>
+          <p:cNvPr id="3" name="Content Placeholder 2"/>
+          <p:cNvSpPr>
+            <a:spLocks noGrp="1"/>
+          </p:cNvSpPr>
+          <p:nvPr>
+            <p:ph idx="1"/>
+          </p:nvPr>
+        </p:nvSpPr>
+        <p:spPr/>
+        <p:txBody>
+          <a:bodyPr/>
+          <a:lstStyle/>
+          <a:p>
+            <a:r>
+              <a:rPr lang="en-US" dirty="0"/>
+              <a:t>Patients in hospital intensive care units (ICUs) </a:t>
+            </a:r>
+            <a:r>
+              <a:rPr lang="en-US" dirty="0" smtClean="0"/>
+              <a:t>generally </a:t>
+            </a:r>
+            <a:r>
+              <a:rPr lang="en-US" dirty="0"/>
+              <a:t>have life-threatening conditions, and require close monitoring and rapid therapeutic interventions. They are connected to an array of equipment and monitors, and are carefully attended by the clinical staff</a:t>
+            </a:r>
+            <a:r>
+              <a:rPr lang="en-US" dirty="0" smtClean="0"/>
+              <a:t>.</a:t>
+            </a:r>
+          </a:p>
+          <a:p>
+            <a:r>
+              <a:rPr lang="en-US" dirty="0" smtClean="0"/>
+              <a:t>If we can predict the need of interventions (such as invasive and non-invasive ventilation) a few hours beforehand, it will help the caregivers better prepare for the interventions, and it can prevent the conditions of patients from getting worse.</a:t>
+            </a:r>
+            <a:endParaRPr lang="en-US" dirty="0"/>
+          </a:p>
+        </p:txBody>
+      </p:sp>
+    </p:spTree>
+    <p:extLst>
+      <p:ext uri="{BB962C8B-B14F-4D97-AF65-F5344CB8AC3E}">
+        <p14:creationId xmlns:p14="http://schemas.microsoft.com/office/powerpoint/2010/main" val="582381032"/>
+      </p:ext>
+    </p:extLst>
+  </p:cSld>
+  <p:clrMapOvr>
+    <a:masterClrMapping/>
+  </p:clrMapOvr>
+</p:sld>
+</file>
+
+<file path=ppt/slides/slide3.xml><?xml version="1.0" encoding="utf-8"?>
+<p:sld xmlns:a="http://schemas.openxmlformats.org/drawingml/2006/main" xmlns:r="http://schemas.openxmlformats.org/officeDocument/2006/relationships" xmlns:p="http://schemas.openxmlformats.org/presentationml/2006/main">
+  <p:cSld>
+    <p:spTree>
+      <p:nvGrpSpPr>
+        <p:cNvPr id="1" name=""/>
+        <p:cNvGrpSpPr/>
+        <p:nvPr/>
+      </p:nvGrpSpPr>
+      <p:grpSpPr>
+        <a:xfrm>
+          <a:off x="0" y="0"/>
+          <a:ext cx="0" cy="0"/>
+          <a:chOff x="0" y="0"/>
+          <a:chExt cx="0" cy="0"/>
+        </a:xfrm>
+      </p:grpSpPr>
+      <p:sp>
+        <p:nvSpPr>
+          <p:cNvPr id="2" name="Title 1"/>
+          <p:cNvSpPr>
+            <a:spLocks noGrp="1"/>
+          </p:cNvSpPr>
+          <p:nvPr>
+            <p:ph type="title"/>
+          </p:nvPr>
+        </p:nvSpPr>
+        <p:spPr/>
+        <p:txBody>
+          <a:bodyPr/>
+          <a:lstStyle/>
+          <a:p>
+            <a:r>
+              <a:rPr lang="en-US" dirty="0" smtClean="0"/>
+              <a:t>background</a:t>
+            </a:r>
+            <a:endParaRPr lang="en-US" dirty="0"/>
+          </a:p>
+        </p:txBody>
+      </p:sp>
+      <p:sp>
+        <p:nvSpPr>
+          <p:cNvPr id="3" name="Content Placeholder 2"/>
+          <p:cNvSpPr>
+            <a:spLocks noGrp="1"/>
+          </p:cNvSpPr>
+          <p:nvPr>
+            <p:ph idx="1"/>
+          </p:nvPr>
+        </p:nvSpPr>
+        <p:spPr/>
+        <p:txBody>
+          <a:bodyPr/>
+          <a:lstStyle/>
+          <a:p>
+            <a:r>
+              <a:rPr lang="en-US" dirty="0" smtClean="0"/>
+              <a:t>Data Source: </a:t>
+            </a:r>
+            <a:r>
+              <a:rPr lang="en-US" dirty="0"/>
+              <a:t>MIMIC-III Critical Care </a:t>
+            </a:r>
+            <a:r>
+              <a:rPr lang="en-US" dirty="0" smtClean="0"/>
+              <a:t>Database. It is </a:t>
+            </a:r>
+            <a:r>
+              <a:rPr lang="en-US" dirty="0"/>
+              <a:t>a large, freely-available database comprising </a:t>
+            </a:r>
+            <a:r>
+              <a:rPr lang="en-US" dirty="0" err="1"/>
+              <a:t>deidentified</a:t>
+            </a:r>
+            <a:r>
+              <a:rPr lang="en-US" dirty="0"/>
+              <a:t> health-related data associated with over forty thousand patients who stayed in critical care units of the Beth Israel Deaconess Medical Center between 2001 and 2012</a:t>
+            </a:r>
+            <a:r>
+              <a:rPr lang="en-US" dirty="0" smtClean="0"/>
+              <a:t>. The size of the database is about 100 Gb.</a:t>
+            </a:r>
+            <a:endParaRPr lang="en-US" dirty="0"/>
+          </a:p>
+          <a:p>
+            <a:r>
+              <a:rPr lang="en-US" dirty="0" smtClean="0"/>
+              <a:t>Intended Analysis Methods: Deep learning sequential models (such as RNN, LSTM) and probabilistic models.</a:t>
+            </a:r>
+            <a:endParaRPr lang="en-US" dirty="0"/>
+          </a:p>
+        </p:txBody>
+      </p:sp>
+    </p:spTree>
+    <p:extLst>
+      <p:ext uri="{BB962C8B-B14F-4D97-AF65-F5344CB8AC3E}">
+        <p14:creationId xmlns:p14="http://schemas.microsoft.com/office/powerpoint/2010/main" val="1684164649"/>
+      </p:ext>
+    </p:extLst>
+  </p:cSld>
+  <p:clrMapOvr>
+    <a:masterClrMapping/>
+  </p:clrMapOvr>
+</p:sld>
+</file>
+
+<file path=ppt/slides/slide4.xml><?xml version="1.0" encoding="utf-8"?>
+<p:sld xmlns:a="http://schemas.openxmlformats.org/drawingml/2006/main" xmlns:r="http://schemas.openxmlformats.org/officeDocument/2006/relationships" xmlns:p="http://schemas.openxmlformats.org/presentationml/2006/main">
+  <p:cSld>
+    <p:spTree>
+      <p:nvGrpSpPr>
+        <p:cNvPr id="1" name=""/>
+        <p:cNvGrpSpPr/>
+        <p:nvPr/>
+      </p:nvGrpSpPr>
+      <p:grpSpPr>
+        <a:xfrm>
+          <a:off x="0" y="0"/>
+          <a:ext cx="0" cy="0"/>
+          <a:chOff x="0" y="0"/>
+          <a:chExt cx="0" cy="0"/>
+        </a:xfrm>
+      </p:grpSpPr>
+      <p:sp>
+        <p:nvSpPr>
+          <p:cNvPr id="2" name="Title 1"/>
+          <p:cNvSpPr>
+            <a:spLocks noGrp="1"/>
+          </p:cNvSpPr>
+          <p:nvPr>
+            <p:ph type="title"/>
+          </p:nvPr>
+        </p:nvSpPr>
+        <p:spPr/>
+        <p:txBody>
+          <a:bodyPr/>
+          <a:lstStyle/>
+          <a:p>
+            <a:r>
+              <a:rPr lang="en-US" dirty="0" smtClean="0"/>
+              <a:t>Data preprocessing</a:t>
+            </a:r>
+            <a:endParaRPr lang="en-US" dirty="0"/>
+          </a:p>
+        </p:txBody>
+      </p:sp>
+      <p:sp>
+        <p:nvSpPr>
+          <p:cNvPr id="3" name="Content Placeholder 2"/>
+          <p:cNvSpPr>
+            <a:spLocks noGrp="1"/>
+          </p:cNvSpPr>
+          <p:nvPr>
+            <p:ph idx="1"/>
+          </p:nvPr>
+        </p:nvSpPr>
+        <p:spPr/>
+        <p:txBody>
+          <a:bodyPr>
+            <a:normAutofit fontScale="92500" lnSpcReduction="10000"/>
+          </a:bodyPr>
+          <a:lstStyle/>
+          <a:p>
+            <a:r>
+              <a:rPr lang="en-US" dirty="0" smtClean="0"/>
+              <a:t>Desired data format: For each patient, we want to get the time series data (the values of selected features at each time interval).</a:t>
+            </a:r>
+          </a:p>
+          <a:p>
+            <a:endParaRPr lang="en-US" dirty="0"/>
+          </a:p>
+          <a:p>
+            <a:endParaRPr lang="en-US" dirty="0" smtClean="0"/>
+          </a:p>
+          <a:p>
+            <a:endParaRPr lang="en-US" dirty="0"/>
+          </a:p>
+          <a:p>
+            <a:endParaRPr lang="en-US" dirty="0" smtClean="0"/>
+          </a:p>
+          <a:p>
+            <a:endParaRPr lang="en-US" dirty="0"/>
+          </a:p>
+          <a:p>
+            <a:r>
+              <a:rPr lang="en-US" dirty="0"/>
+              <a:t>Actual data format: SQL database tables.</a:t>
+            </a:r>
+          </a:p>
+          <a:p>
+            <a:endParaRPr lang="en-US" dirty="0" smtClean="0"/>
+          </a:p>
+        </p:txBody>
+      </p:sp>
+      <p:pic>
+        <p:nvPicPr>
+          <p:cNvPr id="4" name="Picture 3"/>
+          <p:cNvPicPr>
+            <a:picLocks noChangeAspect="1"/>
+          </p:cNvPicPr>
+          <p:nvPr/>
+        </p:nvPicPr>
+        <p:blipFill>
+          <a:blip r:embed="rId2">
+            <a:extLst>
+              <a:ext uri="{28A0092B-C50C-407E-A947-70E740481C1C}">
+                <a14:useLocalDpi xmlns:a14="http://schemas.microsoft.com/office/drawing/2010/main" val="0"/>
+              </a:ext>
+            </a:extLst>
+          </a:blip>
+          <a:stretch>
+            <a:fillRect/>
+          </a:stretch>
+        </p:blipFill>
+        <p:spPr>
+          <a:xfrm>
+            <a:off x="1451579" y="2739145"/>
+            <a:ext cx="6564266" cy="2335683"/>
+          </a:xfrm>
+          <a:prstGeom prst="rect">
+            <a:avLst/>
+          </a:prstGeom>
+        </p:spPr>
+      </p:pic>
+    </p:spTree>
+    <p:extLst>
+      <p:ext uri="{BB962C8B-B14F-4D97-AF65-F5344CB8AC3E}">
+        <p14:creationId xmlns:p14="http://schemas.microsoft.com/office/powerpoint/2010/main" val="1227049320"/>
+      </p:ext>
+    </p:extLst>
+  </p:cSld>
+  <p:clrMapOvr>
+    <a:masterClrMapping/>
+  </p:clrMapOvr>
+</p:sld>
+</file>
+
+<file path=ppt/slides/slide5.xml><?xml version="1.0" encoding="utf-8"?>
+<p:sld xmlns:a="http://schemas.openxmlformats.org/drawingml/2006/main" xmlns:r="http://schemas.openxmlformats.org/officeDocument/2006/relationships" xmlns:p="http://schemas.openxmlformats.org/presentationml/2006/main">
+  <p:cSld>
+    <p:spTree>
+      <p:nvGrpSpPr>
+        <p:cNvPr id="1" name=""/>
+        <p:cNvGrpSpPr/>
+        <p:nvPr/>
+      </p:nvGrpSpPr>
+      <p:grpSpPr>
+        <a:xfrm>
+          <a:off x="0" y="0"/>
+          <a:ext cx="0" cy="0"/>
+          <a:chOff x="0" y="0"/>
+          <a:chExt cx="0" cy="0"/>
+        </a:xfrm>
+      </p:grpSpPr>
+      <p:sp>
+        <p:nvSpPr>
+          <p:cNvPr id="2" name="Title 1"/>
+          <p:cNvSpPr>
+            <a:spLocks noGrp="1"/>
+          </p:cNvSpPr>
+          <p:nvPr>
+            <p:ph type="title"/>
+          </p:nvPr>
+        </p:nvSpPr>
+        <p:spPr/>
+        <p:txBody>
+          <a:bodyPr/>
+          <a:lstStyle/>
+          <a:p>
+            <a:r>
+              <a:rPr lang="en-US" dirty="0" smtClean="0"/>
+              <a:t>DATA preprocessing</a:t>
+            </a:r>
+            <a:endParaRPr lang="en-US" dirty="0"/>
+          </a:p>
+        </p:txBody>
+      </p:sp>
+      <p:sp>
+        <p:nvSpPr>
+          <p:cNvPr id="3" name="Content Placeholder 2"/>
+          <p:cNvSpPr>
+            <a:spLocks noGrp="1"/>
+          </p:cNvSpPr>
+          <p:nvPr>
+            <p:ph idx="1"/>
+          </p:nvPr>
+        </p:nvSpPr>
+        <p:spPr/>
+        <p:txBody>
+          <a:bodyPr/>
+          <a:lstStyle/>
+          <a:p>
+            <a:r>
+              <a:rPr lang="en-US" dirty="0" smtClean="0"/>
+              <a:t>Database size is too large, need to extract the data we want.</a:t>
+            </a:r>
+          </a:p>
+          <a:p>
+            <a:r>
+              <a:rPr lang="en-US" dirty="0" smtClean="0"/>
+              <a:t>Need to select certain features (such as blood pressure, heart rate</a:t>
+            </a:r>
+            <a:r>
+              <a:rPr lang="mr-IN" dirty="0" smtClean="0"/>
+              <a:t>…</a:t>
+            </a:r>
+            <a:r>
+              <a:rPr lang="en-US" dirty="0" smtClean="0"/>
+              <a:t>) from all different kinds of data.</a:t>
+            </a:r>
+          </a:p>
+          <a:p>
+            <a:r>
+              <a:rPr lang="en-US" dirty="0" smtClean="0"/>
+              <a:t>Data in the database is collected from two sources (</a:t>
+            </a:r>
+            <a:r>
+              <a:rPr lang="en-US" dirty="0" err="1"/>
+              <a:t>CareVue</a:t>
+            </a:r>
+            <a:r>
+              <a:rPr lang="en-US" dirty="0"/>
+              <a:t> and </a:t>
+            </a:r>
+            <a:r>
+              <a:rPr lang="en-US" dirty="0" err="1"/>
+              <a:t>MetaVision</a:t>
+            </a:r>
+            <a:r>
+              <a:rPr lang="en-US" dirty="0" smtClean="0"/>
+              <a:t>). The format or unit of measurement may be different.</a:t>
+            </a:r>
+          </a:p>
+          <a:p>
+            <a:r>
+              <a:rPr lang="en-US" dirty="0" smtClean="0"/>
+              <a:t>Missing data and wrong data.</a:t>
+            </a:r>
+          </a:p>
+        </p:txBody>
+      </p:sp>
+    </p:spTree>
+    <p:extLst>
+      <p:ext uri="{BB962C8B-B14F-4D97-AF65-F5344CB8AC3E}">
+        <p14:creationId xmlns:p14="http://schemas.microsoft.com/office/powerpoint/2010/main" val="1475127028"/>
+      </p:ext>
+    </p:extLst>
+  </p:cSld>
+  <p:clrMapOvr>
+    <a:masterClrMapping/>
+  </p:clrMapOvr>
+</p:sld>
+</file>
+
+<file path=ppt/slides/slide6.xml><?xml version="1.0" encoding="utf-8"?>
+<p:sld xmlns:a="http://schemas.openxmlformats.org/drawingml/2006/main" xmlns:r="http://schemas.openxmlformats.org/officeDocument/2006/relationships" xmlns:p="http://schemas.openxmlformats.org/presentationml/2006/main">
+  <p:cSld>
+    <p:spTree>
+      <p:nvGrpSpPr>
+        <p:cNvPr id="1" name=""/>
+        <p:cNvGrpSpPr/>
+        <p:nvPr/>
+      </p:nvGrpSpPr>
+      <p:grpSpPr>
+        <a:xfrm>
+          <a:off x="0" y="0"/>
+          <a:ext cx="0" cy="0"/>
+          <a:chOff x="0" y="0"/>
+          <a:chExt cx="0" cy="0"/>
+        </a:xfrm>
+      </p:grpSpPr>
+      <p:sp>
+        <p:nvSpPr>
+          <p:cNvPr id="2" name="Title 1"/>
+          <p:cNvSpPr>
+            <a:spLocks noGrp="1"/>
+          </p:cNvSpPr>
+          <p:nvPr>
+            <p:ph type="title"/>
+          </p:nvPr>
+        </p:nvSpPr>
+        <p:spPr/>
+        <p:txBody>
+          <a:bodyPr/>
+          <a:lstStyle/>
+          <a:p>
+            <a:r>
+              <a:rPr lang="en-US" dirty="0" smtClean="0"/>
+              <a:t>Data preprocessing</a:t>
+            </a:r>
+            <a:endParaRPr lang="en-US" dirty="0"/>
+          </a:p>
+        </p:txBody>
+      </p:sp>
+      <p:sp>
+        <p:nvSpPr>
+          <p:cNvPr id="3" name="Content Placeholder 2"/>
+          <p:cNvSpPr>
+            <a:spLocks noGrp="1"/>
+          </p:cNvSpPr>
+          <p:nvPr>
+            <p:ph idx="1"/>
+          </p:nvPr>
+        </p:nvSpPr>
+        <p:spPr/>
+        <p:txBody>
+          <a:bodyPr/>
+          <a:lstStyle/>
+          <a:p>
+            <a:r>
+              <a:rPr lang="en-US" dirty="0" smtClean="0"/>
+              <a:t>Feature selection:  Selecting more features means reducing the number of patients for analysis. So I set the following criteria:</a:t>
+            </a:r>
+          </a:p>
+          <a:p>
+            <a:pPr lvl="1"/>
+            <a:r>
+              <a:rPr lang="en-US" dirty="0"/>
+              <a:t>1. We need to have the data of the feature for most of the patients.</a:t>
+            </a:r>
+          </a:p>
+          <a:p>
+            <a:pPr lvl="1"/>
+            <a:r>
+              <a:rPr lang="en-US" dirty="0"/>
+              <a:t>2. It should be an important indicator.</a:t>
+            </a:r>
+          </a:p>
+          <a:p>
+            <a:pPr lvl="1"/>
+            <a:r>
+              <a:rPr lang="en-US" dirty="0"/>
+              <a:t>3. Ideally the value should be real number</a:t>
+            </a:r>
+            <a:r>
+              <a:rPr lang="en-US" dirty="0" smtClean="0"/>
+              <a:t>.</a:t>
+            </a:r>
+          </a:p>
+          <a:p>
+            <a:r>
+              <a:rPr lang="en-US" dirty="0" smtClean="0"/>
+              <a:t>In the end, </a:t>
+            </a:r>
+            <a:r>
+              <a:rPr lang="en-US" dirty="0" smtClean="0"/>
+              <a:t>16 </a:t>
+            </a:r>
+            <a:r>
+              <a:rPr lang="en-US" dirty="0" smtClean="0"/>
+              <a:t>time varying features and 2 static features are selected. The database contains the information of about 60000 patients in total. About 10000 patients have the all the features we need.</a:t>
+            </a:r>
+          </a:p>
+          <a:p>
+            <a:endParaRPr lang="en-US" dirty="0" smtClean="0"/>
+          </a:p>
+        </p:txBody>
+      </p:sp>
+    </p:spTree>
+    <p:extLst>
+      <p:ext uri="{BB962C8B-B14F-4D97-AF65-F5344CB8AC3E}">
+        <p14:creationId xmlns:p14="http://schemas.microsoft.com/office/powerpoint/2010/main" val="686955618"/>
+      </p:ext>
+    </p:extLst>
+  </p:cSld>
+  <p:clrMapOvr>
+    <a:masterClrMapping/>
+  </p:clrMapOvr>
+</p:sld>
+</file>
+
+<file path=ppt/slides/slide7.xml><?xml version="1.0" encoding="utf-8"?>
+<p:sld xmlns:a="http://schemas.openxmlformats.org/drawingml/2006/main" xmlns:r="http://schemas.openxmlformats.org/officeDocument/2006/relationships" xmlns:p="http://schemas.openxmlformats.org/presentationml/2006/main">
+  <p:cSld>
+    <p:spTree>
+      <p:nvGrpSpPr>
+        <p:cNvPr id="1" name=""/>
+        <p:cNvGrpSpPr/>
+        <p:nvPr/>
+      </p:nvGrpSpPr>
+      <p:grpSpPr>
+        <a:xfrm>
+          <a:off x="0" y="0"/>
+          <a:ext cx="0" cy="0"/>
+          <a:chOff x="0" y="0"/>
+          <a:chExt cx="0" cy="0"/>
+        </a:xfrm>
+      </p:grpSpPr>
+      <p:sp>
+        <p:nvSpPr>
+          <p:cNvPr id="2" name="Title 1"/>
+          <p:cNvSpPr>
+            <a:spLocks noGrp="1"/>
+          </p:cNvSpPr>
+          <p:nvPr>
+            <p:ph type="title"/>
+          </p:nvPr>
+        </p:nvSpPr>
+        <p:spPr/>
+        <p:txBody>
+          <a:bodyPr/>
+          <a:lstStyle/>
+          <a:p>
+            <a:r>
+              <a:rPr lang="en-US" dirty="0" smtClean="0"/>
+              <a:t>Data preprocessing</a:t>
+            </a:r>
+            <a:endParaRPr lang="en-US" dirty="0"/>
+          </a:p>
+        </p:txBody>
+      </p:sp>
+      <p:sp>
+        <p:nvSpPr>
+          <p:cNvPr id="3" name="Content Placeholder 2"/>
+          <p:cNvSpPr>
+            <a:spLocks noGrp="1"/>
+          </p:cNvSpPr>
+          <p:nvPr>
+            <p:ph idx="1"/>
+          </p:nvPr>
+        </p:nvSpPr>
+        <p:spPr/>
+        <p:txBody>
+          <a:bodyPr/>
+          <a:lstStyle/>
+          <a:p>
+            <a:r>
+              <a:rPr lang="en-US" dirty="0" smtClean="0"/>
+              <a:t>For each selected patients, extract the data from the database and generate a time series table. It takes about one second for each patient after optimizing the algorithms.</a:t>
+            </a:r>
+          </a:p>
+          <a:p>
+            <a:r>
+              <a:rPr lang="en-US" dirty="0" smtClean="0"/>
+              <a:t>Fill the missing fields.</a:t>
+            </a:r>
+            <a:endParaRPr lang="en-US" dirty="0"/>
+          </a:p>
+        </p:txBody>
+      </p:sp>
+      <p:pic>
+        <p:nvPicPr>
+          <p:cNvPr id="4" name="Picture 3"/>
+          <p:cNvPicPr>
+            <a:picLocks noChangeAspect="1"/>
+          </p:cNvPicPr>
+          <p:nvPr/>
+        </p:nvPicPr>
+        <p:blipFill>
+          <a:blip r:embed="rId2">
+            <a:extLst>
+              <a:ext uri="{28A0092B-C50C-407E-A947-70E740481C1C}">
+                <a14:useLocalDpi xmlns:a14="http://schemas.microsoft.com/office/drawing/2010/main" val="0"/>
+              </a:ext>
+            </a:extLst>
+          </a:blip>
+          <a:stretch>
+            <a:fillRect/>
+          </a:stretch>
+        </p:blipFill>
+        <p:spPr>
+          <a:xfrm>
+            <a:off x="1451579" y="3357465"/>
+            <a:ext cx="7500938" cy="2613757"/>
+          </a:xfrm>
+          <a:prstGeom prst="rect">
+            <a:avLst/>
+          </a:prstGeom>
+        </p:spPr>
+      </p:pic>
+    </p:spTree>
+    <p:extLst>
+      <p:ext uri="{BB962C8B-B14F-4D97-AF65-F5344CB8AC3E}">
+        <p14:creationId xmlns:p14="http://schemas.microsoft.com/office/powerpoint/2010/main" val="609322969"/>
+      </p:ext>
+    </p:extLst>
+  </p:cSld>
+  <p:clrMapOvr>
+    <a:masterClrMapping/>
+  </p:clrMapOvr>
+  <p:timing>
+    <p:tnLst>
+      <p:par>
+        <p:cTn id="1" dur="indefinite" restart="never" nodeType="tmRoot"/>
+      </p:par>
+    </p:tnLst>
+  </p:timing>
+</p:sld>
+</file>
+
+<file path=ppt/slides/slide8.xml><?xml version="1.0" encoding="utf-8"?>
+<p:sld xmlns:a="http://schemas.openxmlformats.org/drawingml/2006/main" xmlns:r="http://schemas.openxmlformats.org/officeDocument/2006/relationships" xmlns:p="http://schemas.openxmlformats.org/presentationml/2006/main">
+  <p:cSld>
+    <p:spTree>
+      <p:nvGrpSpPr>
+        <p:cNvPr id="1" name=""/>
+        <p:cNvGrpSpPr/>
+        <p:nvPr/>
+      </p:nvGrpSpPr>
+      <p:grpSpPr>
+        <a:xfrm>
+          <a:off x="0" y="0"/>
+          <a:ext cx="0" cy="0"/>
+          <a:chOff x="0" y="0"/>
+          <a:chExt cx="0" cy="0"/>
+        </a:xfrm>
+      </p:grpSpPr>
+      <p:sp>
+        <p:nvSpPr>
+          <p:cNvPr id="2" name="Title 1"/>
+          <p:cNvSpPr>
+            <a:spLocks noGrp="1"/>
+          </p:cNvSpPr>
+          <p:nvPr>
+            <p:ph type="title"/>
+          </p:nvPr>
+        </p:nvSpPr>
+        <p:spPr/>
+        <p:txBody>
+          <a:bodyPr/>
+          <a:lstStyle/>
+          <a:p>
+            <a:r>
+              <a:rPr lang="en-US" dirty="0" smtClean="0"/>
+              <a:t>Data preprocessing</a:t>
+            </a:r>
+            <a:endParaRPr lang="en-US" dirty="0"/>
+          </a:p>
+        </p:txBody>
+      </p:sp>
+      <p:sp>
+        <p:nvSpPr>
+          <p:cNvPr id="3" name="Content Placeholder 2"/>
+          <p:cNvSpPr>
+            <a:spLocks noGrp="1"/>
+          </p:cNvSpPr>
+          <p:nvPr>
+            <p:ph idx="1"/>
+          </p:nvPr>
+        </p:nvSpPr>
+        <p:spPr/>
+        <p:txBody>
+          <a:bodyPr/>
+          <a:lstStyle/>
+          <a:p>
+            <a:r>
+              <a:rPr lang="en-US" dirty="0" smtClean="0"/>
+              <a:t>Data Normalization: Make sure values of all features are on a similar scale (0-1). It also makes it easier to plot different features against time.</a:t>
+            </a:r>
+            <a:endParaRPr lang="en-US" dirty="0"/>
+          </a:p>
+        </p:txBody>
+      </p:sp>
+      <p:pic>
+        <p:nvPicPr>
+          <p:cNvPr id="4" name="Picture 3"/>
+          <p:cNvPicPr>
+            <a:picLocks noChangeAspect="1"/>
+          </p:cNvPicPr>
+          <p:nvPr/>
+        </p:nvPicPr>
+        <p:blipFill>
+          <a:blip r:embed="rId2">
+            <a:extLst>
+              <a:ext uri="{28A0092B-C50C-407E-A947-70E740481C1C}">
+                <a14:useLocalDpi xmlns:a14="http://schemas.microsoft.com/office/drawing/2010/main" val="0"/>
+              </a:ext>
+            </a:extLst>
+          </a:blip>
+          <a:stretch>
+            <a:fillRect/>
+          </a:stretch>
+        </p:blipFill>
+        <p:spPr>
+          <a:xfrm>
+            <a:off x="251429" y="2836863"/>
+            <a:ext cx="5076907" cy="3068637"/>
+          </a:xfrm>
+          <a:prstGeom prst="rect">
+            <a:avLst/>
+          </a:prstGeom>
+        </p:spPr>
+      </p:pic>
+      <p:pic>
+        <p:nvPicPr>
+          <p:cNvPr id="5" name="Picture 4"/>
+          <p:cNvPicPr>
+            <a:picLocks noChangeAspect="1"/>
+          </p:cNvPicPr>
+          <p:nvPr/>
+        </p:nvPicPr>
+        <p:blipFill>
+          <a:blip r:embed="rId3">
+            <a:extLst>
+              <a:ext uri="{28A0092B-C50C-407E-A947-70E740481C1C}">
+                <a14:useLocalDpi xmlns:a14="http://schemas.microsoft.com/office/drawing/2010/main" val="0"/>
+              </a:ext>
+            </a:extLst>
+          </a:blip>
+          <a:stretch>
+            <a:fillRect/>
+          </a:stretch>
+        </p:blipFill>
+        <p:spPr>
+          <a:xfrm>
+            <a:off x="6253216" y="2847472"/>
+            <a:ext cx="5853381" cy="3076575"/>
+          </a:xfrm>
+          <a:prstGeom prst="rect">
+            <a:avLst/>
+          </a:prstGeom>
+        </p:spPr>
+      </p:pic>
+    </p:spTree>
+    <p:extLst>
+      <p:ext uri="{BB962C8B-B14F-4D97-AF65-F5344CB8AC3E}">
+        <p14:creationId xmlns:p14="http://schemas.microsoft.com/office/powerpoint/2010/main" val="805345075"/>
+      </p:ext>
+    </p:extLst>
+  </p:cSld>
+  <p:clrMapOvr>
+    <a:masterClrMapping/>
+  </p:clrMapOvr>
+  <p:timing>
+    <p:tnLst>
+      <p:par>
+        <p:cTn id="1" dur="indefinite" restart="never" nodeType="tmRoot"/>
+      </p:par>
+    </p:tnLst>
+  </p:timing>
+</p:sld>
+</file>
+
+<file path=ppt/slides/slide9.xml><?xml version="1.0" encoding="utf-8"?>
+<p:sld xmlns:a="http://schemas.openxmlformats.org/drawingml/2006/main" xmlns:r="http://schemas.openxmlformats.org/officeDocument/2006/relationships" xmlns:p="http://schemas.openxmlformats.org/presentationml/2006/main">
+  <p:cSld>
+    <p:spTree>
+      <p:nvGrpSpPr>
+        <p:cNvPr id="1" name=""/>
+        <p:cNvGrpSpPr/>
+        <p:nvPr/>
+      </p:nvGrpSpPr>
+      <p:grpSpPr>
+        <a:xfrm>
+          <a:off x="0" y="0"/>
+          <a:ext cx="0" cy="0"/>
+          <a:chOff x="0" y="0"/>
+          <a:chExt cx="0" cy="0"/>
+        </a:xfrm>
+      </p:grpSpPr>
+      <p:sp>
+        <p:nvSpPr>
+          <p:cNvPr id="2" name="Title 1"/>
+          <p:cNvSpPr>
+            <a:spLocks noGrp="1"/>
+          </p:cNvSpPr>
+          <p:nvPr>
+            <p:ph type="title"/>
+          </p:nvPr>
+        </p:nvSpPr>
+        <p:spPr/>
+        <p:txBody>
+          <a:bodyPr/>
+          <a:lstStyle/>
+          <a:p>
+            <a:r>
+              <a:rPr lang="en-US" dirty="0" smtClean="0"/>
+              <a:t>Data preprocessing</a:t>
+            </a:r>
+            <a:endParaRPr lang="en-US" dirty="0"/>
+          </a:p>
+        </p:txBody>
+      </p:sp>
+      <p:sp>
+        <p:nvSpPr>
+          <p:cNvPr id="3" name="Content Placeholder 2"/>
+          <p:cNvSpPr>
+            <a:spLocks noGrp="1"/>
+          </p:cNvSpPr>
+          <p:nvPr>
+            <p:ph idx="1"/>
+          </p:nvPr>
+        </p:nvSpPr>
+        <p:spPr/>
+        <p:txBody>
+          <a:bodyPr/>
+          <a:lstStyle/>
+          <a:p>
+            <a:r>
+              <a:rPr lang="en-US" dirty="0" smtClean="0"/>
+              <a:t>Handling the wrong values</a:t>
+            </a:r>
+            <a:endParaRPr lang="en-US" dirty="0"/>
+          </a:p>
+        </p:txBody>
+      </p:sp>
+      <p:pic>
+        <p:nvPicPr>
+          <p:cNvPr id="5" name="Picture 4"/>
+          <p:cNvPicPr>
+            <a:picLocks noChangeAspect="1"/>
+          </p:cNvPicPr>
+          <p:nvPr/>
+        </p:nvPicPr>
+        <p:blipFill>
+          <a:blip r:embed="rId2">
+            <a:extLst>
+              <a:ext uri="{28A0092B-C50C-407E-A947-70E740481C1C}">
+                <a14:useLocalDpi xmlns:a14="http://schemas.microsoft.com/office/drawing/2010/main" val="0"/>
+              </a:ext>
+            </a:extLst>
+          </a:blip>
+          <a:stretch>
+            <a:fillRect/>
+          </a:stretch>
+        </p:blipFill>
+        <p:spPr>
+          <a:xfrm>
+            <a:off x="1451579" y="2473416"/>
+            <a:ext cx="10649732" cy="4384584"/>
+          </a:xfrm>
+          <a:prstGeom prst="rect">
+            <a:avLst/>
+          </a:prstGeom>
+        </p:spPr>
+      </p:pic>
+    </p:spTree>
+    <p:extLst>
+      <p:ext uri="{BB962C8B-B14F-4D97-AF65-F5344CB8AC3E}">
+        <p14:creationId xmlns:p14="http://schemas.microsoft.com/office/powerpoint/2010/main" val="854060552"/>
+      </p:ext>
+    </p:extLst>
+  </p:cSld>
+  <p:clrMapOvr>
+    <a:masterClrMapping/>
+  </p:clrMapOvr>
+  <p:timing>
+    <p:tnLst>
+      <p:par>
+        <p:cTn id="1" dur="indefinite" restart="never" nodeType="tmRoot"/>
+      </p:par>
+    </p:tnLst>
+  </p:timing>
 </p:sld>
 </file>
 
